--- a/Python101_02_Col_Loop.pptx
+++ b/Python101_02_Col_Loop.pptx
@@ -1278,7 +1278,7 @@
             <a:fld id="{B61BEF0D-F0BB-DE4B-95CE-6DB70DBA9567}" type="datetimeFigureOut">
               <a:rPr lang="en-US" smtClean="0"/>
               <a:pPr/>
-              <a:t>4/3/2024</a:t>
+              <a:t>4/5/2024</a:t>
             </a:fld>
             <a:endParaRPr lang="en-US" dirty="0"/>
           </a:p>
@@ -1578,7 +1578,7 @@
             <a:fld id="{B61BEF0D-F0BB-DE4B-95CE-6DB70DBA9567}" type="datetimeFigureOut">
               <a:rPr lang="en-US" smtClean="0"/>
               <a:pPr/>
-              <a:t>4/3/2024</a:t>
+              <a:t>4/5/2024</a:t>
             </a:fld>
             <a:endParaRPr lang="en-US" dirty="0"/>
           </a:p>
@@ -1772,7 +1772,7 @@
             <a:fld id="{B61BEF0D-F0BB-DE4B-95CE-6DB70DBA9567}" type="datetimeFigureOut">
               <a:rPr lang="en-US" smtClean="0"/>
               <a:pPr/>
-              <a:t>4/3/2024</a:t>
+              <a:t>4/5/2024</a:t>
             </a:fld>
             <a:endParaRPr lang="en-US" dirty="0"/>
           </a:p>
@@ -2035,7 +2035,7 @@
             <a:fld id="{B61BEF0D-F0BB-DE4B-95CE-6DB70DBA9567}" type="datetimeFigureOut">
               <a:rPr lang="en-US" smtClean="0"/>
               <a:pPr/>
-              <a:t>4/3/2024</a:t>
+              <a:t>4/5/2024</a:t>
             </a:fld>
             <a:endParaRPr lang="en-US" dirty="0"/>
           </a:p>
@@ -2461,7 +2461,7 @@
             <a:fld id="{B61BEF0D-F0BB-DE4B-95CE-6DB70DBA9567}" type="datetimeFigureOut">
               <a:rPr lang="en-US" smtClean="0"/>
               <a:pPr/>
-              <a:t>4/3/2024</a:t>
+              <a:t>4/5/2024</a:t>
             </a:fld>
             <a:endParaRPr lang="en-US" dirty="0"/>
           </a:p>
@@ -3000,7 +3000,7 @@
             <a:fld id="{B61BEF0D-F0BB-DE4B-95CE-6DB70DBA9567}" type="datetimeFigureOut">
               <a:rPr lang="en-US" smtClean="0"/>
               <a:pPr/>
-              <a:t>4/3/2024</a:t>
+              <a:t>4/5/2024</a:t>
             </a:fld>
             <a:endParaRPr lang="en-US" dirty="0"/>
           </a:p>
@@ -3866,7 +3866,7 @@
             <a:fld id="{B61BEF0D-F0BB-DE4B-95CE-6DB70DBA9567}" type="datetimeFigureOut">
               <a:rPr lang="en-US" smtClean="0"/>
               <a:pPr/>
-              <a:t>4/3/2024</a:t>
+              <a:t>4/5/2024</a:t>
             </a:fld>
             <a:endParaRPr lang="en-US" dirty="0"/>
           </a:p>
@@ -4038,7 +4038,7 @@
             <a:fld id="{B61BEF0D-F0BB-DE4B-95CE-6DB70DBA9567}" type="datetimeFigureOut">
               <a:rPr lang="en-US" smtClean="0"/>
               <a:pPr/>
-              <a:t>4/3/2024</a:t>
+              <a:t>4/5/2024</a:t>
             </a:fld>
             <a:endParaRPr lang="en-US" dirty="0"/>
           </a:p>
@@ -4224,7 +4224,7 @@
             <a:fld id="{B61BEF0D-F0BB-DE4B-95CE-6DB70DBA9567}" type="datetimeFigureOut">
               <a:rPr lang="en-US" smtClean="0"/>
               <a:pPr/>
-              <a:t>4/3/2024</a:t>
+              <a:t>4/5/2024</a:t>
             </a:fld>
             <a:endParaRPr lang="en-US" dirty="0"/>
           </a:p>
@@ -4396,7 +4396,7 @@
             <a:fld id="{B61BEF0D-F0BB-DE4B-95CE-6DB70DBA9567}" type="datetimeFigureOut">
               <a:rPr lang="en-US" smtClean="0"/>
               <a:pPr/>
-              <a:t>4/3/2024</a:t>
+              <a:t>4/5/2024</a:t>
             </a:fld>
             <a:endParaRPr lang="en-US" dirty="0"/>
           </a:p>
@@ -4642,7 +4642,7 @@
             <a:fld id="{B61BEF0D-F0BB-DE4B-95CE-6DB70DBA9567}" type="datetimeFigureOut">
               <a:rPr lang="en-US" smtClean="0"/>
               <a:pPr/>
-              <a:t>4/3/2024</a:t>
+              <a:t>4/5/2024</a:t>
             </a:fld>
             <a:endParaRPr lang="en-US" dirty="0"/>
           </a:p>
@@ -4880,7 +4880,7 @@
             <a:fld id="{B61BEF0D-F0BB-DE4B-95CE-6DB70DBA9567}" type="datetimeFigureOut">
               <a:rPr lang="en-US" smtClean="0"/>
               <a:pPr/>
-              <a:t>4/3/2024</a:t>
+              <a:t>4/5/2024</a:t>
             </a:fld>
             <a:endParaRPr lang="en-US" dirty="0"/>
           </a:p>
@@ -5348,7 +5348,7 @@
             <a:fld id="{B61BEF0D-F0BB-DE4B-95CE-6DB70DBA9567}" type="datetimeFigureOut">
               <a:rPr lang="en-US" smtClean="0"/>
               <a:pPr/>
-              <a:t>4/3/2024</a:t>
+              <a:t>4/5/2024</a:t>
             </a:fld>
             <a:endParaRPr lang="en-US" dirty="0"/>
           </a:p>
@@ -5468,7 +5468,7 @@
             <a:fld id="{B61BEF0D-F0BB-DE4B-95CE-6DB70DBA9567}" type="datetimeFigureOut">
               <a:rPr lang="en-US" smtClean="0"/>
               <a:pPr/>
-              <a:t>4/3/2024</a:t>
+              <a:t>4/5/2024</a:t>
             </a:fld>
             <a:endParaRPr lang="en-US" dirty="0"/>
           </a:p>
@@ -5565,7 +5565,7 @@
             <a:fld id="{B61BEF0D-F0BB-DE4B-95CE-6DB70DBA9567}" type="datetimeFigureOut">
               <a:rPr lang="en-US" smtClean="0"/>
               <a:pPr/>
-              <a:t>4/3/2024</a:t>
+              <a:t>4/5/2024</a:t>
             </a:fld>
             <a:endParaRPr lang="en-US" dirty="0"/>
           </a:p>
@@ -5822,7 +5822,7 @@
             <a:fld id="{B61BEF0D-F0BB-DE4B-95CE-6DB70DBA9567}" type="datetimeFigureOut">
               <a:rPr lang="en-US" smtClean="0"/>
               <a:pPr/>
-              <a:t>4/3/2024</a:t>
+              <a:t>4/5/2024</a:t>
             </a:fld>
             <a:endParaRPr lang="en-US" dirty="0"/>
           </a:p>
@@ -6124,7 +6124,7 @@
             <a:fld id="{B61BEF0D-F0BB-DE4B-95CE-6DB70DBA9567}" type="datetimeFigureOut">
               <a:rPr lang="en-US" smtClean="0"/>
               <a:pPr/>
-              <a:t>4/3/2024</a:t>
+              <a:t>4/5/2024</a:t>
             </a:fld>
             <a:endParaRPr lang="en-US" dirty="0"/>
           </a:p>
@@ -6360,7 +6360,7 @@
             <a:fld id="{B61BEF0D-F0BB-DE4B-95CE-6DB70DBA9567}" type="datetimeFigureOut">
               <a:rPr lang="en-US" smtClean="0"/>
               <a:pPr/>
-              <a:t>4/3/2024</a:t>
+              <a:t>4/5/2024</a:t>
             </a:fld>
             <a:endParaRPr lang="en-US" dirty="0"/>
           </a:p>
@@ -7221,7 +7221,7 @@
           <a:p>
             <a:r>
               <a:rPr lang="en-US" sz="2800" dirty="0"/>
-              <a:t>dictionary</a:t>
+              <a:t>Dictionary</a:t>
             </a:r>
           </a:p>
         </p:txBody>
@@ -7261,92 +7261,15 @@
           </a:p>
           <a:p>
             <a:r>
-              <a:rPr lang="en-US"/>
-              <a:t>Dapat</a:t>
-            </a:r>
-            <a:r>
               <a:rPr lang="en-US" dirty="0"/>
-              <a:t> </a:t>
-            </a:r>
-            <a:r>
-              <a:rPr lang="en-US"/>
-              <a:t>memuat</a:t>
-            </a:r>
+              <a:t>Can contain other data types: strings, numbers, other collections</a:t>
+            </a:r>
+          </a:p>
+          <a:p>
             <a:r>
               <a:rPr lang="en-US" dirty="0"/>
-              <a:t> </a:t>
-            </a:r>
-            <a:r>
-              <a:rPr lang="en-US"/>
-              <a:t>tipe</a:t>
-            </a:r>
-            <a:r>
-              <a:rPr lang="en-US" dirty="0"/>
-              <a:t> data lain: string, </a:t>
-            </a:r>
-            <a:r>
-              <a:rPr lang="en-US"/>
-              <a:t>bilangan</a:t>
-            </a:r>
-            <a:r>
-              <a:rPr lang="en-US" dirty="0"/>
-              <a:t>, </a:t>
-            </a:r>
-            <a:r>
-              <a:rPr lang="en-US"/>
-              <a:t>ataupun</a:t>
-            </a:r>
-            <a:r>
-              <a:rPr lang="en-US" dirty="0"/>
-              <a:t> </a:t>
-            </a:r>
-            <a:r>
-              <a:rPr lang="en-US"/>
-              <a:t>koleksi</a:t>
-            </a:r>
-            <a:r>
-              <a:rPr lang="en-US" dirty="0"/>
-              <a:t> lain</a:t>
-            </a:r>
-          </a:p>
-          <a:p>
-            <a:r>
-              <a:rPr lang="en-US"/>
-              <a:t>Tidak</a:t>
-            </a:r>
-            <a:r>
-              <a:rPr lang="en-US" dirty="0"/>
-              <a:t> </a:t>
-            </a:r>
-            <a:r>
-              <a:rPr lang="en-US"/>
-              <a:t>menggunakan</a:t>
-            </a:r>
-            <a:r>
-              <a:rPr lang="en-US" dirty="0"/>
-              <a:t> </a:t>
-            </a:r>
-            <a:r>
-              <a:rPr lang="en-US"/>
-              <a:t>indeks</a:t>
-            </a:r>
-            <a:r>
-              <a:rPr lang="en-US" dirty="0"/>
-              <a:t>, </a:t>
-            </a:r>
-            <a:r>
-              <a:rPr lang="en-US"/>
-              <a:t>menggunakan</a:t>
-            </a:r>
-            <a:r>
-              <a:rPr lang="en-US" dirty="0"/>
-              <a:t> ‘key’ yang </a:t>
-            </a:r>
-            <a:r>
-              <a:rPr lang="en-US"/>
-              <a:t>unik</a:t>
-            </a:r>
-            <a:endParaRPr lang="en-US" dirty="0"/>
+              <a:t>Accessing dictionary’s member using ‘key’</a:t>
+            </a:r>
           </a:p>
         </p:txBody>
       </p:sp>
@@ -7643,92 +7566,27 @@
               <a:t>range(): </a:t>
             </a:r>
             <a:r>
-              <a:rPr lang="en-US"/>
-              <a:t>fungsi</a:t>
-            </a:r>
-            <a:r>
-              <a:rPr lang="en-US" dirty="0"/>
-              <a:t> “</a:t>
-            </a:r>
-            <a:r>
-              <a:rPr lang="en-US"/>
-              <a:t>bawaan</a:t>
-            </a:r>
-            <a:r>
-              <a:rPr lang="en-US" dirty="0"/>
-              <a:t>” (</a:t>
-            </a:r>
-            <a:r>
               <a:rPr lang="en-US" i="1" dirty="0"/>
               <a:t>built-in function</a:t>
             </a:r>
             <a:r>
               <a:rPr lang="en-US" dirty="0"/>
-              <a:t>) yang </a:t>
-            </a:r>
-            <a:r>
-              <a:rPr lang="en-US"/>
-              <a:t>menghasilkan</a:t>
-            </a:r>
+              <a:t>  to create ‘range’ object</a:t>
+            </a:r>
+          </a:p>
+          <a:p>
             <a:r>
               <a:rPr lang="en-US" dirty="0"/>
-              <a:t>  </a:t>
-            </a:r>
-            <a:r>
-              <a:rPr lang="en-US"/>
-              <a:t>objek</a:t>
+              <a:t>for: to iterate member of an </a:t>
+            </a:r>
+            <a:r>
+              <a:rPr lang="en-US" dirty="0" err="1"/>
+              <a:t>iterable</a:t>
             </a:r>
             <a:r>
               <a:rPr lang="en-US" dirty="0"/>
-              <a:t> ‘range’</a:t>
-            </a:r>
-          </a:p>
-          <a:p>
-            <a:r>
-              <a:rPr lang="en-US" dirty="0"/>
-              <a:t>For: </a:t>
-            </a:r>
-            <a:r>
-              <a:rPr lang="en-US"/>
-              <a:t>iterasi</a:t>
-            </a:r>
-            <a:r>
-              <a:rPr lang="en-US" dirty="0"/>
-              <a:t> </a:t>
-            </a:r>
-            <a:r>
-              <a:rPr lang="en-US"/>
-              <a:t>objek</a:t>
-            </a:r>
-            <a:r>
-              <a:rPr lang="en-US" dirty="0"/>
-              <a:t> yang </a:t>
-            </a:r>
-            <a:r>
-              <a:rPr lang="en-US"/>
-              <a:t>dapat</a:t>
-            </a:r>
-            <a:r>
-              <a:rPr lang="en-US" dirty="0"/>
-              <a:t> </a:t>
-            </a:r>
-            <a:r>
-              <a:rPr lang="en-US"/>
-              <a:t>diiterasi</a:t>
-            </a:r>
-            <a:r>
-              <a:rPr lang="en-US" dirty="0"/>
-              <a:t>, </a:t>
-            </a:r>
-            <a:r>
-              <a:rPr lang="en-US"/>
-              <a:t>misalnya</a:t>
-            </a:r>
-            <a:r>
-              <a:rPr lang="en-US" dirty="0"/>
-              <a:t> list, tuple, dictionary, string</a:t>
-            </a:r>
-            <a:endParaRPr lang="en-US"/>
+              <a:t> object e.g.  Collections (list, tuple, dictionary)</a:t>
+            </a:r>
           </a:p>
         </p:txBody>
       </p:sp>
@@ -7872,7 +7730,7 @@
           <a:p>
             <a:pPr algn="ctr"/>
             <a:r>
-              <a:rPr lang="en-US" sz="4000">
+              <a:rPr lang="en-US" sz="4000" dirty="0" err="1">
                 <a:effectLst>
                   <a:glow rad="38100">
                     <a:schemeClr val="bg1">
@@ -7888,7 +7746,26 @@
                   </a:outerShdw>
                 </a:effectLst>
               </a:rPr>
-              <a:t>len() </a:t>
+              <a:t>len</a:t>
+            </a:r>
+            <a:r>
+              <a:rPr lang="en-US" sz="4000" dirty="0">
+                <a:effectLst>
+                  <a:glow rad="38100">
+                    <a:schemeClr val="bg1">
+                      <a:lumMod val="65000"/>
+                      <a:lumOff val="35000"/>
+                      <a:alpha val="50000"/>
+                    </a:schemeClr>
+                  </a:glow>
+                  <a:outerShdw blurRad="28575" dist="31750" dir="13200000" algn="tl" rotWithShape="0">
+                    <a:srgbClr val="000000">
+                      <a:alpha val="25000"/>
+                    </a:srgbClr>
+                  </a:outerShdw>
+                </a:effectLst>
+              </a:rPr>
+              <a:t>() </a:t>
             </a:r>
           </a:p>
         </p:txBody>
@@ -7925,7 +7802,7 @@
               <a:buNone/>
             </a:pPr>
             <a:r>
-              <a:rPr lang="en-US" sz="2100">
+              <a:rPr lang="en-US" sz="2100" dirty="0" err="1">
                 <a:gradFill flip="none" rotWithShape="1">
                   <a:gsLst>
                     <a:gs pos="0">
@@ -7941,8 +7818,62 @@
                   <a:tileRect/>
                 </a:gradFill>
               </a:rPr>
-              <a:t>len(): fungsi Bawaan yang menunjukkan panjang dari iterable</a:t>
-            </a:r>
+              <a:t>len</a:t>
+            </a:r>
+            <a:r>
+              <a:rPr lang="en-US" sz="2100" dirty="0">
+                <a:gradFill flip="none" rotWithShape="1">
+                  <a:gsLst>
+                    <a:gs pos="0">
+                      <a:schemeClr val="tx1"/>
+                    </a:gs>
+                    <a:gs pos="100000">
+                      <a:schemeClr val="tx1">
+                        <a:lumMod val="75000"/>
+                      </a:schemeClr>
+                    </a:gs>
+                  </a:gsLst>
+                  <a:lin ang="5400000" scaled="0"/>
+                  <a:tileRect/>
+                </a:gradFill>
+              </a:rPr>
+              <a:t>(): built-in function to show length of a </a:t>
+            </a:r>
+            <a:r>
+              <a:rPr lang="en-US" sz="2100" dirty="0" err="1">
+                <a:gradFill flip="none" rotWithShape="1">
+                  <a:gsLst>
+                    <a:gs pos="0">
+                      <a:schemeClr val="tx1"/>
+                    </a:gs>
+                    <a:gs pos="100000">
+                      <a:schemeClr val="tx1">
+                        <a:lumMod val="75000"/>
+                      </a:schemeClr>
+                    </a:gs>
+                  </a:gsLst>
+                  <a:lin ang="5400000" scaled="0"/>
+                  <a:tileRect/>
+                </a:gradFill>
+              </a:rPr>
+              <a:t>colection</a:t>
+            </a:r>
+            <a:endParaRPr lang="en-US" sz="2100" dirty="0">
+              <a:gradFill flip="none" rotWithShape="1">
+                <a:gsLst>
+                  <a:gs pos="0">
+                    <a:schemeClr val="tx1"/>
+                  </a:gs>
+                  <a:gs pos="100000">
+                    <a:schemeClr val="tx1">
+                      <a:lumMod val="75000"/>
+                    </a:schemeClr>
+                  </a:gs>
+                </a:gsLst>
+                <a:lin ang="5400000" scaled="0"/>
+                <a:tileRect/>
+              </a:gradFill>
+            </a:endParaRPr>
           </a:p>
         </p:txBody>
       </p:sp>
@@ -8139,7 +8070,7 @@
               <a:buNone/>
             </a:pPr>
             <a:r>
-              <a:rPr lang="en-US" sz="2100">
+              <a:rPr lang="en-US" sz="2100" dirty="0">
                 <a:gradFill flip="none" rotWithShape="1">
                   <a:gsLst>
                     <a:gs pos="0">
@@ -8155,7 +8086,7 @@
                   <a:tileRect/>
                 </a:gradFill>
               </a:rPr>
-              <a:t>Iterasi selama sebuah kondisi tepat (while True)</a:t>
+              <a:t>Repeat as long a condition is True</a:t>
             </a:r>
           </a:p>
         </p:txBody>
@@ -8429,74 +8360,11 @@
           </a:p>
           <a:p>
             <a:r>
-              <a:rPr lang="en-US" dirty="0" err="1">
-                <a:latin typeface="Arial" panose="020B0604020202020204" pitchFamily="34" charset="0"/>
-                <a:cs typeface="Arial" panose="020B0604020202020204" pitchFamily="34" charset="0"/>
-              </a:rPr>
-              <a:t>Dapat</a:t>
-            </a:r>
-            <a:r>
               <a:rPr lang="en-US" dirty="0">
                 <a:latin typeface="Arial" panose="020B0604020202020204" pitchFamily="34" charset="0"/>
                 <a:cs typeface="Arial" panose="020B0604020202020204" pitchFamily="34" charset="0"/>
               </a:rPr>
-              <a:t> </a:t>
-            </a:r>
-            <a:r>
-              <a:rPr lang="en-US" dirty="0" err="1">
-                <a:latin typeface="Arial" panose="020B0604020202020204" pitchFamily="34" charset="0"/>
-                <a:cs typeface="Arial" panose="020B0604020202020204" pitchFamily="34" charset="0"/>
-              </a:rPr>
-              <a:t>memuat</a:t>
-            </a:r>
-            <a:r>
-              <a:rPr lang="en-US" dirty="0">
-                <a:latin typeface="Arial" panose="020B0604020202020204" pitchFamily="34" charset="0"/>
-                <a:cs typeface="Arial" panose="020B0604020202020204" pitchFamily="34" charset="0"/>
-              </a:rPr>
-              <a:t> </a:t>
-            </a:r>
-            <a:r>
-              <a:rPr lang="en-US" dirty="0" err="1">
-                <a:latin typeface="Arial" panose="020B0604020202020204" pitchFamily="34" charset="0"/>
-                <a:cs typeface="Arial" panose="020B0604020202020204" pitchFamily="34" charset="0"/>
-              </a:rPr>
-              <a:t>tipe</a:t>
-            </a:r>
-            <a:r>
-              <a:rPr lang="en-US" dirty="0">
-                <a:latin typeface="Arial" panose="020B0604020202020204" pitchFamily="34" charset="0"/>
-                <a:cs typeface="Arial" panose="020B0604020202020204" pitchFamily="34" charset="0"/>
-              </a:rPr>
-              <a:t> data lain: string, </a:t>
-            </a:r>
-            <a:r>
-              <a:rPr lang="en-US" dirty="0" err="1">
-                <a:latin typeface="Arial" panose="020B0604020202020204" pitchFamily="34" charset="0"/>
-                <a:cs typeface="Arial" panose="020B0604020202020204" pitchFamily="34" charset="0"/>
-              </a:rPr>
-              <a:t>bilangan</a:t>
-            </a:r>
-            <a:r>
-              <a:rPr lang="en-US" dirty="0">
-                <a:latin typeface="Arial" panose="020B0604020202020204" pitchFamily="34" charset="0"/>
-                <a:cs typeface="Arial" panose="020B0604020202020204" pitchFamily="34" charset="0"/>
-              </a:rPr>
-              <a:t>, </a:t>
-            </a:r>
-            <a:r>
-              <a:rPr lang="en-US" dirty="0" err="1">
-                <a:latin typeface="Arial" panose="020B0604020202020204" pitchFamily="34" charset="0"/>
-                <a:cs typeface="Arial" panose="020B0604020202020204" pitchFamily="34" charset="0"/>
-              </a:rPr>
-              <a:t>bahkan</a:t>
-            </a:r>
-            <a:r>
-              <a:rPr lang="en-US" dirty="0">
-                <a:latin typeface="Arial" panose="020B0604020202020204" pitchFamily="34" charset="0"/>
-                <a:cs typeface="Arial" panose="020B0604020202020204" pitchFamily="34" charset="0"/>
-              </a:rPr>
-              <a:t> list lain</a:t>
+              <a:t>Can contain other data types: string, numbers, even lists</a:t>
             </a:r>
           </a:p>
         </p:txBody>
@@ -8675,36 +8543,15 @@
           <a:lstStyle/>
           <a:p>
             <a:r>
-              <a:rPr lang="en-US"/>
-              <a:t>Mengakses</a:t>
-            </a:r>
-            <a:r>
               <a:rPr lang="en-US" dirty="0"/>
-              <a:t> </a:t>
-            </a:r>
-            <a:r>
-              <a:rPr lang="en-US"/>
-              <a:t>anggota</a:t>
-            </a:r>
+              <a:t>Accessing member of list</a:t>
+            </a:r>
+          </a:p>
+          <a:p>
             <a:r>
               <a:rPr lang="en-US" dirty="0"/>
-              <a:t> </a:t>
-            </a:r>
-            <a:r>
-              <a:rPr lang="en-US"/>
-              <a:t>dari</a:t>
-            </a:r>
-            <a:r>
-              <a:rPr lang="en-US" dirty="0"/>
-              <a:t> list</a:t>
-            </a:r>
-          </a:p>
-          <a:p>
-            <a:r>
-              <a:rPr lang="en-US" dirty="0"/>
-              <a:t>Awal: 0</a:t>
-            </a:r>
-            <a:endParaRPr lang="en-US"/>
+              <a:t>Index start from 0</a:t>
+            </a:r>
           </a:p>
         </p:txBody>
       </p:sp>
@@ -8971,33 +8818,13 @@
           <a:p>
             <a:r>
               <a:rPr lang="en-US" dirty="0"/>
-              <a:t>Collections</a:t>
-            </a:r>
-          </a:p>
-          <a:p>
-            <a:r>
-              <a:rPr lang="en-US"/>
-              <a:t>Dapat memuat tipe </a:t>
-            </a:r>
+              <a:t>Collection</a:t>
+            </a:r>
+          </a:p>
+          <a:p>
             <a:r>
               <a:rPr lang="en-US" dirty="0"/>
-              <a:t>data lain: string</a:t>
-            </a:r>
-            <a:r>
-              <a:rPr lang="en-US"/>
-              <a:t>, bilangan,  </a:t>
-            </a:r>
-            <a:r>
-              <a:rPr lang="en-US" dirty="0"/>
-              <a:t>list</a:t>
-            </a:r>
-            <a:r>
-              <a:rPr lang="en-US"/>
-              <a:t>, bahkan </a:t>
-            </a:r>
-            <a:r>
-              <a:rPr lang="en-US" dirty="0"/>
-              <a:t>tuple lain</a:t>
+              <a:t>Can contain other data types: numbers, strings, lists, even collections</a:t>
             </a:r>
           </a:p>
           <a:p>
@@ -9303,96 +9130,15 @@
           </a:p>
           <a:p>
             <a:r>
-              <a:rPr lang="en-US"/>
-              <a:t>Dapat</a:t>
-            </a:r>
-            <a:r>
               <a:rPr lang="en-US" dirty="0"/>
-              <a:t> </a:t>
-            </a:r>
-            <a:r>
-              <a:rPr lang="en-US"/>
-              <a:t>memuat</a:t>
-            </a:r>
+              <a:t>Can contain other data types: strings, numbers, but can’t contain lists or</a:t>
+            </a:r>
+          </a:p>
+          <a:p>
             <a:r>
               <a:rPr lang="en-US" dirty="0"/>
-              <a:t> </a:t>
-            </a:r>
-            <a:r>
-              <a:rPr lang="en-US"/>
-              <a:t>tipe</a:t>
-            </a:r>
-            <a:r>
-              <a:rPr lang="en-US" dirty="0"/>
-              <a:t> data lain: string, </a:t>
-            </a:r>
-            <a:r>
-              <a:rPr lang="en-US"/>
-              <a:t>bilangan</a:t>
-            </a:r>
-            <a:r>
-              <a:rPr lang="en-US" dirty="0"/>
-              <a:t> </a:t>
-            </a:r>
-            <a:r>
-              <a:rPr lang="en-US"/>
-              <a:t>tapi</a:t>
-            </a:r>
-            <a:r>
-              <a:rPr lang="en-US" dirty="0"/>
-              <a:t> </a:t>
-            </a:r>
-            <a:r>
-              <a:rPr lang="en-US"/>
-              <a:t>tidak</a:t>
-            </a:r>
-            <a:r>
-              <a:rPr lang="en-US" dirty="0"/>
-              <a:t> </a:t>
-            </a:r>
-            <a:r>
-              <a:rPr lang="en-US"/>
-              <a:t>bisa</a:t>
-            </a:r>
-            <a:r>
-              <a:rPr lang="en-US" dirty="0"/>
-              <a:t> </a:t>
-            </a:r>
-            <a:r>
-              <a:rPr lang="en-US"/>
-              <a:t>berisikan</a:t>
-            </a:r>
-            <a:r>
-              <a:rPr lang="en-US" dirty="0"/>
-              <a:t> list </a:t>
-            </a:r>
-            <a:r>
-              <a:rPr lang="en-US"/>
-              <a:t>ataupun</a:t>
-            </a:r>
-            <a:r>
-              <a:rPr lang="en-US" dirty="0"/>
-              <a:t> set lain</a:t>
-            </a:r>
-          </a:p>
-          <a:p>
-            <a:r>
-              <a:rPr lang="en-US" dirty="0"/>
-              <a:t>Member </a:t>
-            </a:r>
-            <a:r>
-              <a:rPr lang="en-US"/>
-              <a:t>adalah</a:t>
-            </a:r>
-            <a:r>
-              <a:rPr lang="en-US" dirty="0"/>
-              <a:t> </a:t>
-            </a:r>
-            <a:r>
-              <a:rPr lang="en-US"/>
-              <a:t>unik</a:t>
-            </a:r>
-            <a:endParaRPr lang="en-US" dirty="0"/>
+              <a:t>Unique member</a:t>
+            </a:r>
           </a:p>
         </p:txBody>
       </p:sp>
